--- a/Workshop_5/workshop_misc.pptx
+++ b/Workshop_5/workshop_misc.pptx
@@ -10,12 +10,12 @@
   <p:sldIdLst>
     <p:sldId id="267" r:id="rId2"/>
     <p:sldId id="263" r:id="rId3"/>
-    <p:sldId id="264" r:id="rId4"/>
-    <p:sldId id="257" r:id="rId5"/>
-    <p:sldId id="258" r:id="rId6"/>
-    <p:sldId id="259" r:id="rId7"/>
-    <p:sldId id="265" r:id="rId8"/>
-    <p:sldId id="260" r:id="rId9"/>
+    <p:sldId id="260" r:id="rId4"/>
+    <p:sldId id="264" r:id="rId5"/>
+    <p:sldId id="257" r:id="rId6"/>
+    <p:sldId id="258" r:id="rId7"/>
+    <p:sldId id="259" r:id="rId8"/>
+    <p:sldId id="265" r:id="rId9"/>
     <p:sldId id="266" r:id="rId10"/>
     <p:sldId id="261" r:id="rId11"/>
   </p:sldIdLst>
@@ -118,7 +118,7 @@
   </p:defaultTextStyle>
   <p:extLst>
     <p:ext uri="{EFAFB233-063F-42B5-8137-9DF3F51BA10A}">
-      <p15:sldGuideLst xmlns:p15="http://schemas.microsoft.com/office/powerpoint/2012/main"/>
+      <p15:sldGuideLst xmlns:p15="http://schemas.microsoft.com/office/powerpoint/2012/main" xmlns=""/>
     </p:ext>
   </p:extLst>
 </p:presentation>
@@ -947,7 +947,11 @@
         <a:p>
           <a:r>
             <a:rPr lang="en-US" dirty="0" smtClean="0"/>
-            <a:t>Information gathering </a:t>
+            <a:t>Information </a:t>
+          </a:r>
+          <a:r>
+            <a:rPr lang="en-US" dirty="0" smtClean="0"/>
+            <a:t>Gathering </a:t>
           </a:r>
           <a:endParaRPr lang="en-US" dirty="0"/>
         </a:p>
@@ -984,7 +988,11 @@
         <a:p>
           <a:r>
             <a:rPr lang="en-US" dirty="0" smtClean="0"/>
-            <a:t>Vulnerability assessment</a:t>
+            <a:t>Vulnerability </a:t>
+          </a:r>
+          <a:r>
+            <a:rPr lang="en-US" dirty="0" smtClean="0"/>
+            <a:t>Assessment</a:t>
           </a:r>
           <a:endParaRPr lang="en-US" dirty="0"/>
         </a:p>
@@ -1149,16 +1157,16 @@
     </dgm:pt>
   </dgm:ptLst>
   <dgm:cxnLst>
+    <dgm:cxn modelId="{BDCB2B31-2743-E64F-A695-116F6C48CD4E}" srcId="{80C15BA1-F3BF-FC44-AF60-D1AC52F00C46}" destId="{C39A77E4-DB8B-6742-951B-1C29388CBFFE}" srcOrd="0" destOrd="0" parTransId="{CDCBF7B9-9FD1-8B40-9C45-A8CB0719B18B}" sibTransId="{681DC1A2-E3EE-A043-B9A1-C53A2094C687}"/>
+    <dgm:cxn modelId="{B2217824-FB09-9C45-A071-8C4EDF9928C4}" srcId="{80C15BA1-F3BF-FC44-AF60-D1AC52F00C46}" destId="{BC25F0EA-E69D-2840-8BD8-585A32C5C447}" srcOrd="2" destOrd="0" parTransId="{18419B1F-9A26-774F-AE49-6B7862F6CB76}" sibTransId="{431E1CED-2E27-814B-A823-FA83BCCF334C}"/>
+    <dgm:cxn modelId="{EC608D30-203A-B14F-8083-76D31A41DE71}" type="presOf" srcId="{681DC1A2-E3EE-A043-B9A1-C53A2094C687}" destId="{ACC12FF9-ACBE-9142-B7F0-E70B83A4898A}" srcOrd="0" destOrd="0" presId="urn:microsoft.com/office/officeart/2005/8/layout/process1"/>
+    <dgm:cxn modelId="{5734EFC3-3FF1-954B-8928-ECABA43A73C4}" type="presOf" srcId="{681DC1A2-E3EE-A043-B9A1-C53A2094C687}" destId="{78D9B447-33DC-4548-BC22-84EB9DCF0F84}" srcOrd="1" destOrd="0" presId="urn:microsoft.com/office/officeart/2005/8/layout/process1"/>
+    <dgm:cxn modelId="{B3C3CCD8-C94A-7544-A9D1-ECBF8775482A}" srcId="{80C15BA1-F3BF-FC44-AF60-D1AC52F00C46}" destId="{3D10D999-5225-DB42-B161-584CF79DF159}" srcOrd="1" destOrd="0" parTransId="{FC34082D-BA2C-5A4C-9A41-B06E304286D7}" sibTransId="{1DCFCC1F-484A-374B-A85C-B16DDD39EE57}"/>
+    <dgm:cxn modelId="{9A78B224-178E-D641-9421-CA6F8BF3E3CC}" type="presOf" srcId="{3D10D999-5225-DB42-B161-584CF79DF159}" destId="{3ACC71EF-E1DC-0248-A9F0-98E21756966D}" srcOrd="0" destOrd="0" presId="urn:microsoft.com/office/officeart/2005/8/layout/process1"/>
+    <dgm:cxn modelId="{C639D517-E0BD-7E4D-ACE7-E4E7C3850600}" type="presOf" srcId="{BC25F0EA-E69D-2840-8BD8-585A32C5C447}" destId="{E9D53EF0-F465-8646-B7A3-CAACD5092439}" srcOrd="0" destOrd="0" presId="urn:microsoft.com/office/officeart/2005/8/layout/process1"/>
+    <dgm:cxn modelId="{894E58E0-7B4D-FB41-BF09-5C78093525B6}" type="presOf" srcId="{1DCFCC1F-484A-374B-A85C-B16DDD39EE57}" destId="{4F3292DA-B09C-2549-BCBE-D7DF3824CD88}" srcOrd="1" destOrd="0" presId="urn:microsoft.com/office/officeart/2005/8/layout/process1"/>
+    <dgm:cxn modelId="{EDC9C220-BCFF-A945-BE5A-78203D52E364}" type="presOf" srcId="{C39A77E4-DB8B-6742-951B-1C29388CBFFE}" destId="{CA843282-9B03-9A4E-8B55-1242B7A0B8AC}" srcOrd="0" destOrd="0" presId="urn:microsoft.com/office/officeart/2005/8/layout/process1"/>
     <dgm:cxn modelId="{27F2586B-DDAB-5743-A5AB-25F4693ABF4E}" type="presOf" srcId="{80C15BA1-F3BF-FC44-AF60-D1AC52F00C46}" destId="{9CD6DC21-049C-0E46-9AFF-0733F9EA030B}" srcOrd="0" destOrd="0" presId="urn:microsoft.com/office/officeart/2005/8/layout/process1"/>
-    <dgm:cxn modelId="{9A78B224-178E-D641-9421-CA6F8BF3E3CC}" type="presOf" srcId="{3D10D999-5225-DB42-B161-584CF79DF159}" destId="{3ACC71EF-E1DC-0248-A9F0-98E21756966D}" srcOrd="0" destOrd="0" presId="urn:microsoft.com/office/officeart/2005/8/layout/process1"/>
-    <dgm:cxn modelId="{894E58E0-7B4D-FB41-BF09-5C78093525B6}" type="presOf" srcId="{1DCFCC1F-484A-374B-A85C-B16DDD39EE57}" destId="{4F3292DA-B09C-2549-BCBE-D7DF3824CD88}" srcOrd="1" destOrd="0" presId="urn:microsoft.com/office/officeart/2005/8/layout/process1"/>
-    <dgm:cxn modelId="{5734EFC3-3FF1-954B-8928-ECABA43A73C4}" type="presOf" srcId="{681DC1A2-E3EE-A043-B9A1-C53A2094C687}" destId="{78D9B447-33DC-4548-BC22-84EB9DCF0F84}" srcOrd="1" destOrd="0" presId="urn:microsoft.com/office/officeart/2005/8/layout/process1"/>
-    <dgm:cxn modelId="{EDC9C220-BCFF-A945-BE5A-78203D52E364}" type="presOf" srcId="{C39A77E4-DB8B-6742-951B-1C29388CBFFE}" destId="{CA843282-9B03-9A4E-8B55-1242B7A0B8AC}" srcOrd="0" destOrd="0" presId="urn:microsoft.com/office/officeart/2005/8/layout/process1"/>
-    <dgm:cxn modelId="{BDCB2B31-2743-E64F-A695-116F6C48CD4E}" srcId="{80C15BA1-F3BF-FC44-AF60-D1AC52F00C46}" destId="{C39A77E4-DB8B-6742-951B-1C29388CBFFE}" srcOrd="0" destOrd="0" parTransId="{CDCBF7B9-9FD1-8B40-9C45-A8CB0719B18B}" sibTransId="{681DC1A2-E3EE-A043-B9A1-C53A2094C687}"/>
-    <dgm:cxn modelId="{C639D517-E0BD-7E4D-ACE7-E4E7C3850600}" type="presOf" srcId="{BC25F0EA-E69D-2840-8BD8-585A32C5C447}" destId="{E9D53EF0-F465-8646-B7A3-CAACD5092439}" srcOrd="0" destOrd="0" presId="urn:microsoft.com/office/officeart/2005/8/layout/process1"/>
-    <dgm:cxn modelId="{B2217824-FB09-9C45-A071-8C4EDF9928C4}" srcId="{80C15BA1-F3BF-FC44-AF60-D1AC52F00C46}" destId="{BC25F0EA-E69D-2840-8BD8-585A32C5C447}" srcOrd="2" destOrd="0" parTransId="{18419B1F-9A26-774F-AE49-6B7862F6CB76}" sibTransId="{431E1CED-2E27-814B-A823-FA83BCCF334C}"/>
-    <dgm:cxn modelId="{B3C3CCD8-C94A-7544-A9D1-ECBF8775482A}" srcId="{80C15BA1-F3BF-FC44-AF60-D1AC52F00C46}" destId="{3D10D999-5225-DB42-B161-584CF79DF159}" srcOrd="1" destOrd="0" parTransId="{FC34082D-BA2C-5A4C-9A41-B06E304286D7}" sibTransId="{1DCFCC1F-484A-374B-A85C-B16DDD39EE57}"/>
-    <dgm:cxn modelId="{EC608D30-203A-B14F-8083-76D31A41DE71}" type="presOf" srcId="{681DC1A2-E3EE-A043-B9A1-C53A2094C687}" destId="{ACC12FF9-ACBE-9142-B7F0-E70B83A4898A}" srcOrd="0" destOrd="0" presId="urn:microsoft.com/office/officeart/2005/8/layout/process1"/>
     <dgm:cxn modelId="{4BBA05A7-0E6B-A540-B386-DEEE38010B52}" type="presOf" srcId="{1DCFCC1F-484A-374B-A85C-B16DDD39EE57}" destId="{BF8A7C08-8D03-EF4F-B919-434FD7B90FE8}" srcOrd="0" destOrd="0" presId="urn:microsoft.com/office/officeart/2005/8/layout/process1"/>
     <dgm:cxn modelId="{BEFF7201-18E1-2844-A70F-990C5C25AAAC}" type="presParOf" srcId="{9CD6DC21-049C-0E46-9AFF-0733F9EA030B}" destId="{CA843282-9B03-9A4E-8B55-1242B7A0B8AC}" srcOrd="0" destOrd="0" presId="urn:microsoft.com/office/officeart/2005/8/layout/process1"/>
     <dgm:cxn modelId="{3F4B023B-7C06-814F-BCE0-1EF0438707A1}" type="presParOf" srcId="{9CD6DC21-049C-0E46-9AFF-0733F9EA030B}" destId="{ACC12FF9-ACBE-9142-B7F0-E70B83A4898A}" srcOrd="1" destOrd="0" presId="urn:microsoft.com/office/officeart/2005/8/layout/process1"/>
@@ -1172,7 +1180,7 @@
   <dgm:whole/>
   <dgm:extLst>
     <a:ext uri="http://schemas.microsoft.com/office/drawing/2008/diagram">
-      <dsp:dataModelExt xmlns:dsp="http://schemas.microsoft.com/office/drawing/2008/diagram" relId="rId6" minVer="http://schemas.openxmlformats.org/drawingml/2006/diagram"/>
+      <dsp:dataModelExt xmlns:dsp="http://schemas.microsoft.com/office/drawing/2008/diagram" xmlns="" relId="rId6" minVer="http://schemas.openxmlformats.org/drawingml/2006/diagram"/>
     </a:ext>
   </dgm:extLst>
 </dgm:dataModel>
@@ -2957,7 +2965,8 @@
           <a:p>
             <a:fld id="{EB46106E-B8B1-0A4A-AB7F-88053BFB6DE5}" type="datetimeFigureOut">
               <a:rPr lang="en-US" smtClean="0"/>
-              <a:t>4/20/18</a:t>
+              <a:pPr/>
+              <a:t>4/21/2018</a:t>
             </a:fld>
             <a:endParaRPr lang="en-US"/>
           </a:p>
@@ -3116,6 +3125,7 @@
           <a:p>
             <a:fld id="{B0ACC199-40E3-9B48-923E-A314192465E1}" type="slidenum">
               <a:rPr lang="en-US" smtClean="0"/>
+              <a:pPr/>
               <a:t>‹#›</a:t>
             </a:fld>
             <a:endParaRPr lang="en-US"/>
@@ -3125,7 +3135,7 @@
     </p:spTree>
     <p:extLst>
       <p:ext uri="{BB962C8B-B14F-4D97-AF65-F5344CB8AC3E}">
-        <p14:creationId xmlns:p14="http://schemas.microsoft.com/office/powerpoint/2010/main" val="1825233087"/>
+        <p14:creationId xmlns:p14="http://schemas.microsoft.com/office/powerpoint/2010/main" xmlns="" val="1825233087"/>
       </p:ext>
     </p:extLst>
   </p:cSld>
@@ -3324,7 +3334,7 @@
     </p:spTree>
     <p:extLst>
       <p:ext uri="{BB962C8B-B14F-4D97-AF65-F5344CB8AC3E}">
-        <p14:creationId xmlns:p14="http://schemas.microsoft.com/office/powerpoint/2010/main" val="1906427467"/>
+        <p14:creationId xmlns:p14="http://schemas.microsoft.com/office/powerpoint/2010/main" xmlns="" val="1906427467"/>
       </p:ext>
     </p:extLst>
   </p:cSld>
@@ -3375,25 +3385,84 @@
         </p:nvSpPr>
         <p:spPr/>
         <p:txBody>
+          <a:bodyPr>
+            <a:normAutofit/>
+          </a:bodyPr>
+          <a:lstStyle/>
+          <a:p>
+            <a:endParaRPr lang="en-US" dirty="0"/>
+          </a:p>
+        </p:txBody>
+      </p:sp>
+      <p:sp>
+        <p:nvSpPr>
+          <p:cNvPr id="4" name="Slide Number Placeholder 3"/>
+          <p:cNvSpPr>
+            <a:spLocks noGrp="1"/>
+          </p:cNvSpPr>
+          <p:nvPr>
+            <p:ph type="sldNum" sz="quarter" idx="10"/>
+          </p:nvPr>
+        </p:nvSpPr>
+        <p:spPr/>
+        <p:txBody>
           <a:bodyPr/>
           <a:lstStyle/>
           <a:p>
-            <a:r>
-              <a:rPr lang="en-US" smtClean="0"/>
-              <a:t>github</a:t>
-            </a:r>
-            <a:endParaRPr lang="en-US" dirty="0"/>
-          </a:p>
-        </p:txBody>
-      </p:sp>
-      <p:sp>
-        <p:nvSpPr>
-          <p:cNvPr id="4" name="Slide Number Placeholder 3"/>
-          <p:cNvSpPr>
-            <a:spLocks noGrp="1"/>
-          </p:cNvSpPr>
-          <p:nvPr>
-            <p:ph type="sldNum" sz="quarter" idx="10"/>
+            <a:fld id="{B0ACC199-40E3-9B48-923E-A314192465E1}" type="slidenum">
+              <a:rPr lang="en-US" smtClean="0"/>
+              <a:pPr/>
+              <a:t>4</a:t>
+            </a:fld>
+            <a:endParaRPr lang="en-US"/>
+          </a:p>
+        </p:txBody>
+      </p:sp>
+    </p:spTree>
+  </p:cSld>
+  <p:clrMapOvr>
+    <a:masterClrMapping/>
+  </p:clrMapOvr>
+</p:notes>
+</file>
+
+<file path=ppt/notesSlides/notesSlide3.xml><?xml version="1.0" encoding="utf-8"?>
+<p:notes xmlns:a="http://schemas.openxmlformats.org/drawingml/2006/main" xmlns:r="http://schemas.openxmlformats.org/officeDocument/2006/relationships" xmlns:p="http://schemas.openxmlformats.org/presentationml/2006/main">
+  <p:cSld>
+    <p:spTree>
+      <p:nvGrpSpPr>
+        <p:cNvPr id="1" name=""/>
+        <p:cNvGrpSpPr/>
+        <p:nvPr/>
+      </p:nvGrpSpPr>
+      <p:grpSpPr>
+        <a:xfrm>
+          <a:off x="0" y="0"/>
+          <a:ext cx="0" cy="0"/>
+          <a:chOff x="0" y="0"/>
+          <a:chExt cx="0" cy="0"/>
+        </a:xfrm>
+      </p:grpSpPr>
+      <p:sp>
+        <p:nvSpPr>
+          <p:cNvPr id="2" name="Slide Image Placeholder 1"/>
+          <p:cNvSpPr>
+            <a:spLocks noGrp="1" noRot="1" noChangeAspect="1"/>
+          </p:cNvSpPr>
+          <p:nvPr>
+            <p:ph type="sldImg"/>
+          </p:nvPr>
+        </p:nvSpPr>
+        <p:spPr/>
+      </p:sp>
+      <p:sp>
+        <p:nvSpPr>
+          <p:cNvPr id="3" name="Notes Placeholder 2"/>
+          <p:cNvSpPr>
+            <a:spLocks noGrp="1"/>
+          </p:cNvSpPr>
+          <p:nvPr>
+            <p:ph type="body" idx="1"/>
           </p:nvPr>
         </p:nvSpPr>
         <p:spPr/>
@@ -3401,8 +3470,32 @@
           <a:bodyPr/>
           <a:lstStyle/>
           <a:p>
+            <a:r>
+              <a:rPr lang="en-US" smtClean="0"/>
+              <a:t>github</a:t>
+            </a:r>
+            <a:endParaRPr lang="en-US" dirty="0"/>
+          </a:p>
+        </p:txBody>
+      </p:sp>
+      <p:sp>
+        <p:nvSpPr>
+          <p:cNvPr id="4" name="Slide Number Placeholder 3"/>
+          <p:cNvSpPr>
+            <a:spLocks noGrp="1"/>
+          </p:cNvSpPr>
+          <p:nvPr>
+            <p:ph type="sldNum" sz="quarter" idx="10"/>
+          </p:nvPr>
+        </p:nvSpPr>
+        <p:spPr/>
+        <p:txBody>
+          <a:bodyPr/>
+          <a:lstStyle/>
+          <a:p>
             <a:fld id="{B0ACC199-40E3-9B48-923E-A314192465E1}" type="slidenum">
               <a:rPr lang="en-US" smtClean="0"/>
+              <a:pPr/>
               <a:t>10</a:t>
             </a:fld>
             <a:endParaRPr lang="en-US"/>
@@ -3412,7 +3505,7 @@
     </p:spTree>
     <p:extLst>
       <p:ext uri="{BB962C8B-B14F-4D97-AF65-F5344CB8AC3E}">
-        <p14:creationId xmlns:p14="http://schemas.microsoft.com/office/powerpoint/2010/main" val="2036079461"/>
+        <p14:creationId xmlns:p14="http://schemas.microsoft.com/office/powerpoint/2010/main" xmlns="" val="2036079461"/>
       </p:ext>
     </p:extLst>
   </p:cSld>
@@ -3553,7 +3646,8 @@
           <a:p>
             <a:fld id="{009326FF-4F87-E54D-8F5D-C43B01570F54}" type="datetimeFigureOut">
               <a:rPr lang="en-US" smtClean="0"/>
-              <a:t>4/20/18</a:t>
+              <a:pPr/>
+              <a:t>4/21/2018</a:t>
             </a:fld>
             <a:endParaRPr lang="en-US"/>
           </a:p>
@@ -3595,6 +3689,7 @@
           <a:p>
             <a:fld id="{338B86DE-CD76-B745-8469-1D40520EEC89}" type="slidenum">
               <a:rPr lang="en-US" smtClean="0"/>
+              <a:pPr/>
               <a:t>‹#›</a:t>
             </a:fld>
             <a:endParaRPr lang="en-US"/>
@@ -3604,7 +3699,7 @@
     </p:spTree>
     <p:extLst>
       <p:ext uri="{BB962C8B-B14F-4D97-AF65-F5344CB8AC3E}">
-        <p14:creationId xmlns:p14="http://schemas.microsoft.com/office/powerpoint/2010/main" val="248369657"/>
+        <p14:creationId xmlns:p14="http://schemas.microsoft.com/office/powerpoint/2010/main" xmlns="" val="248369657"/>
       </p:ext>
     </p:extLst>
   </p:cSld>
@@ -3723,7 +3818,8 @@
           <a:p>
             <a:fld id="{009326FF-4F87-E54D-8F5D-C43B01570F54}" type="datetimeFigureOut">
               <a:rPr lang="en-US" smtClean="0"/>
-              <a:t>4/20/18</a:t>
+              <a:pPr/>
+              <a:t>4/21/2018</a:t>
             </a:fld>
             <a:endParaRPr lang="en-US"/>
           </a:p>
@@ -3765,6 +3861,7 @@
           <a:p>
             <a:fld id="{338B86DE-CD76-B745-8469-1D40520EEC89}" type="slidenum">
               <a:rPr lang="en-US" smtClean="0"/>
+              <a:pPr/>
               <a:t>‹#›</a:t>
             </a:fld>
             <a:endParaRPr lang="en-US"/>
@@ -3774,7 +3871,7 @@
     </p:spTree>
     <p:extLst>
       <p:ext uri="{BB962C8B-B14F-4D97-AF65-F5344CB8AC3E}">
-        <p14:creationId xmlns:p14="http://schemas.microsoft.com/office/powerpoint/2010/main" val="361606454"/>
+        <p14:creationId xmlns:p14="http://schemas.microsoft.com/office/powerpoint/2010/main" xmlns="" val="361606454"/>
       </p:ext>
     </p:extLst>
   </p:cSld>
@@ -3903,7 +4000,8 @@
           <a:p>
             <a:fld id="{009326FF-4F87-E54D-8F5D-C43B01570F54}" type="datetimeFigureOut">
               <a:rPr lang="en-US" smtClean="0"/>
-              <a:t>4/20/18</a:t>
+              <a:pPr/>
+              <a:t>4/21/2018</a:t>
             </a:fld>
             <a:endParaRPr lang="en-US"/>
           </a:p>
@@ -3945,6 +4043,7 @@
           <a:p>
             <a:fld id="{338B86DE-CD76-B745-8469-1D40520EEC89}" type="slidenum">
               <a:rPr lang="en-US" smtClean="0"/>
+              <a:pPr/>
               <a:t>‹#›</a:t>
             </a:fld>
             <a:endParaRPr lang="en-US"/>
@@ -3954,7 +4053,7 @@
     </p:spTree>
     <p:extLst>
       <p:ext uri="{BB962C8B-B14F-4D97-AF65-F5344CB8AC3E}">
-        <p14:creationId xmlns:p14="http://schemas.microsoft.com/office/powerpoint/2010/main" val="140951368"/>
+        <p14:creationId xmlns:p14="http://schemas.microsoft.com/office/powerpoint/2010/main" xmlns="" val="140951368"/>
       </p:ext>
     </p:extLst>
   </p:cSld>
@@ -4073,7 +4172,8 @@
           <a:p>
             <a:fld id="{009326FF-4F87-E54D-8F5D-C43B01570F54}" type="datetimeFigureOut">
               <a:rPr lang="en-US" smtClean="0"/>
-              <a:t>4/20/18</a:t>
+              <a:pPr/>
+              <a:t>4/21/2018</a:t>
             </a:fld>
             <a:endParaRPr lang="en-US"/>
           </a:p>
@@ -4115,6 +4215,7 @@
           <a:p>
             <a:fld id="{338B86DE-CD76-B745-8469-1D40520EEC89}" type="slidenum">
               <a:rPr lang="en-US" smtClean="0"/>
+              <a:pPr/>
               <a:t>‹#›</a:t>
             </a:fld>
             <a:endParaRPr lang="en-US"/>
@@ -4124,7 +4225,7 @@
     </p:spTree>
     <p:extLst>
       <p:ext uri="{BB962C8B-B14F-4D97-AF65-F5344CB8AC3E}">
-        <p14:creationId xmlns:p14="http://schemas.microsoft.com/office/powerpoint/2010/main" val="1505289163"/>
+        <p14:creationId xmlns:p14="http://schemas.microsoft.com/office/powerpoint/2010/main" xmlns="" val="1505289163"/>
       </p:ext>
     </p:extLst>
   </p:cSld>
@@ -4319,7 +4420,8 @@
           <a:p>
             <a:fld id="{009326FF-4F87-E54D-8F5D-C43B01570F54}" type="datetimeFigureOut">
               <a:rPr lang="en-US" smtClean="0"/>
-              <a:t>4/20/18</a:t>
+              <a:pPr/>
+              <a:t>4/21/2018</a:t>
             </a:fld>
             <a:endParaRPr lang="en-US"/>
           </a:p>
@@ -4361,6 +4463,7 @@
           <a:p>
             <a:fld id="{338B86DE-CD76-B745-8469-1D40520EEC89}" type="slidenum">
               <a:rPr lang="en-US" smtClean="0"/>
+              <a:pPr/>
               <a:t>‹#›</a:t>
             </a:fld>
             <a:endParaRPr lang="en-US"/>
@@ -4370,7 +4473,7 @@
     </p:spTree>
     <p:extLst>
       <p:ext uri="{BB962C8B-B14F-4D97-AF65-F5344CB8AC3E}">
-        <p14:creationId xmlns:p14="http://schemas.microsoft.com/office/powerpoint/2010/main" val="1771551112"/>
+        <p14:creationId xmlns:p14="http://schemas.microsoft.com/office/powerpoint/2010/main" xmlns="" val="1771551112"/>
       </p:ext>
     </p:extLst>
   </p:cSld>
@@ -4551,7 +4654,8 @@
           <a:p>
             <a:fld id="{009326FF-4F87-E54D-8F5D-C43B01570F54}" type="datetimeFigureOut">
               <a:rPr lang="en-US" smtClean="0"/>
-              <a:t>4/20/18</a:t>
+              <a:pPr/>
+              <a:t>4/21/2018</a:t>
             </a:fld>
             <a:endParaRPr lang="en-US"/>
           </a:p>
@@ -4593,6 +4697,7 @@
           <a:p>
             <a:fld id="{338B86DE-CD76-B745-8469-1D40520EEC89}" type="slidenum">
               <a:rPr lang="en-US" smtClean="0"/>
+              <a:pPr/>
               <a:t>‹#›</a:t>
             </a:fld>
             <a:endParaRPr lang="en-US"/>
@@ -4602,7 +4707,7 @@
     </p:spTree>
     <p:extLst>
       <p:ext uri="{BB962C8B-B14F-4D97-AF65-F5344CB8AC3E}">
-        <p14:creationId xmlns:p14="http://schemas.microsoft.com/office/powerpoint/2010/main" val="1746257376"/>
+        <p14:creationId xmlns:p14="http://schemas.microsoft.com/office/powerpoint/2010/main" xmlns="" val="1746257376"/>
       </p:ext>
     </p:extLst>
   </p:cSld>
@@ -4918,7 +5023,8 @@
           <a:p>
             <a:fld id="{009326FF-4F87-E54D-8F5D-C43B01570F54}" type="datetimeFigureOut">
               <a:rPr lang="en-US" smtClean="0"/>
-              <a:t>4/20/18</a:t>
+              <a:pPr/>
+              <a:t>4/21/2018</a:t>
             </a:fld>
             <a:endParaRPr lang="en-US"/>
           </a:p>
@@ -4960,6 +5066,7 @@
           <a:p>
             <a:fld id="{338B86DE-CD76-B745-8469-1D40520EEC89}" type="slidenum">
               <a:rPr lang="en-US" smtClean="0"/>
+              <a:pPr/>
               <a:t>‹#›</a:t>
             </a:fld>
             <a:endParaRPr lang="en-US"/>
@@ -4969,7 +5076,7 @@
     </p:spTree>
     <p:extLst>
       <p:ext uri="{BB962C8B-B14F-4D97-AF65-F5344CB8AC3E}">
-        <p14:creationId xmlns:p14="http://schemas.microsoft.com/office/powerpoint/2010/main" val="1836198530"/>
+        <p14:creationId xmlns:p14="http://schemas.microsoft.com/office/powerpoint/2010/main" xmlns="" val="1836198530"/>
       </p:ext>
     </p:extLst>
   </p:cSld>
@@ -5036,7 +5143,8 @@
           <a:p>
             <a:fld id="{009326FF-4F87-E54D-8F5D-C43B01570F54}" type="datetimeFigureOut">
               <a:rPr lang="en-US" smtClean="0"/>
-              <a:t>4/20/18</a:t>
+              <a:pPr/>
+              <a:t>4/21/2018</a:t>
             </a:fld>
             <a:endParaRPr lang="en-US"/>
           </a:p>
@@ -5078,6 +5186,7 @@
           <a:p>
             <a:fld id="{338B86DE-CD76-B745-8469-1D40520EEC89}" type="slidenum">
               <a:rPr lang="en-US" smtClean="0"/>
+              <a:pPr/>
               <a:t>‹#›</a:t>
             </a:fld>
             <a:endParaRPr lang="en-US"/>
@@ -5087,7 +5196,7 @@
     </p:spTree>
     <p:extLst>
       <p:ext uri="{BB962C8B-B14F-4D97-AF65-F5344CB8AC3E}">
-        <p14:creationId xmlns:p14="http://schemas.microsoft.com/office/powerpoint/2010/main" val="1648686320"/>
+        <p14:creationId xmlns:p14="http://schemas.microsoft.com/office/powerpoint/2010/main" xmlns="" val="1648686320"/>
       </p:ext>
     </p:extLst>
   </p:cSld>
@@ -5131,7 +5240,8 @@
           <a:p>
             <a:fld id="{009326FF-4F87-E54D-8F5D-C43B01570F54}" type="datetimeFigureOut">
               <a:rPr lang="en-US" smtClean="0"/>
-              <a:t>4/20/18</a:t>
+              <a:pPr/>
+              <a:t>4/21/2018</a:t>
             </a:fld>
             <a:endParaRPr lang="en-US"/>
           </a:p>
@@ -5173,6 +5283,7 @@
           <a:p>
             <a:fld id="{338B86DE-CD76-B745-8469-1D40520EEC89}" type="slidenum">
               <a:rPr lang="en-US" smtClean="0"/>
+              <a:pPr/>
               <a:t>‹#›</a:t>
             </a:fld>
             <a:endParaRPr lang="en-US"/>
@@ -5182,7 +5293,7 @@
     </p:spTree>
     <p:extLst>
       <p:ext uri="{BB962C8B-B14F-4D97-AF65-F5344CB8AC3E}">
-        <p14:creationId xmlns:p14="http://schemas.microsoft.com/office/powerpoint/2010/main" val="489482999"/>
+        <p14:creationId xmlns:p14="http://schemas.microsoft.com/office/powerpoint/2010/main" xmlns="" val="489482999"/>
       </p:ext>
     </p:extLst>
   </p:cSld>
@@ -5408,7 +5519,8 @@
           <a:p>
             <a:fld id="{009326FF-4F87-E54D-8F5D-C43B01570F54}" type="datetimeFigureOut">
               <a:rPr lang="en-US" smtClean="0"/>
-              <a:t>4/20/18</a:t>
+              <a:pPr/>
+              <a:t>4/21/2018</a:t>
             </a:fld>
             <a:endParaRPr lang="en-US"/>
           </a:p>
@@ -5450,6 +5562,7 @@
           <a:p>
             <a:fld id="{338B86DE-CD76-B745-8469-1D40520EEC89}" type="slidenum">
               <a:rPr lang="en-US" smtClean="0"/>
+              <a:pPr/>
               <a:t>‹#›</a:t>
             </a:fld>
             <a:endParaRPr lang="en-US"/>
@@ -5459,7 +5572,7 @@
     </p:spTree>
     <p:extLst>
       <p:ext uri="{BB962C8B-B14F-4D97-AF65-F5344CB8AC3E}">
-        <p14:creationId xmlns:p14="http://schemas.microsoft.com/office/powerpoint/2010/main" val="1878396183"/>
+        <p14:creationId xmlns:p14="http://schemas.microsoft.com/office/powerpoint/2010/main" xmlns="" val="1878396183"/>
       </p:ext>
     </p:extLst>
   </p:cSld>
@@ -5661,7 +5774,8 @@
           <a:p>
             <a:fld id="{009326FF-4F87-E54D-8F5D-C43B01570F54}" type="datetimeFigureOut">
               <a:rPr lang="en-US" smtClean="0"/>
-              <a:t>4/20/18</a:t>
+              <a:pPr/>
+              <a:t>4/21/2018</a:t>
             </a:fld>
             <a:endParaRPr lang="en-US"/>
           </a:p>
@@ -5703,6 +5817,7 @@
           <a:p>
             <a:fld id="{338B86DE-CD76-B745-8469-1D40520EEC89}" type="slidenum">
               <a:rPr lang="en-US" smtClean="0"/>
+              <a:pPr/>
               <a:t>‹#›</a:t>
             </a:fld>
             <a:endParaRPr lang="en-US"/>
@@ -5712,7 +5827,7 @@
     </p:spTree>
     <p:extLst>
       <p:ext uri="{BB962C8B-B14F-4D97-AF65-F5344CB8AC3E}">
-        <p14:creationId xmlns:p14="http://schemas.microsoft.com/office/powerpoint/2010/main" val="47553134"/>
+        <p14:creationId xmlns:p14="http://schemas.microsoft.com/office/powerpoint/2010/main" xmlns="" val="47553134"/>
       </p:ext>
     </p:extLst>
   </p:cSld>
@@ -5874,7 +5989,8 @@
           <a:p>
             <a:fld id="{009326FF-4F87-E54D-8F5D-C43B01570F54}" type="datetimeFigureOut">
               <a:rPr lang="en-US" smtClean="0"/>
-              <a:t>4/20/18</a:t>
+              <a:pPr/>
+              <a:t>4/21/2018</a:t>
             </a:fld>
             <a:endParaRPr lang="en-US"/>
           </a:p>
@@ -5952,6 +6068,7 @@
           <a:p>
             <a:fld id="{338B86DE-CD76-B745-8469-1D40520EEC89}" type="slidenum">
               <a:rPr lang="en-US" smtClean="0"/>
+              <a:pPr/>
               <a:t>‹#›</a:t>
             </a:fld>
             <a:endParaRPr lang="en-US"/>
@@ -5961,7 +6078,7 @@
     </p:spTree>
     <p:extLst>
       <p:ext uri="{BB962C8B-B14F-4D97-AF65-F5344CB8AC3E}">
-        <p14:creationId xmlns:p14="http://schemas.microsoft.com/office/powerpoint/2010/main" val="231156440"/>
+        <p14:creationId xmlns:p14="http://schemas.microsoft.com/office/powerpoint/2010/main" xmlns="" val="231156440"/>
       </p:ext>
     </p:extLst>
   </p:cSld>
@@ -6310,8 +6427,8 @@
               </a:spcBef>
             </a:pPr>
             <a:r>
-              <a:rPr lang="en-AU" b="1" dirty="0" err="1" smtClean="0"/>
-              <a:t>Metasploit</a:t>
+              <a:rPr lang="en-AU" b="1" dirty="0" smtClean="0"/>
+              <a:t>Web Exploitation</a:t>
             </a:r>
             <a:endParaRPr b="1" dirty="0"/>
           </a:p>
@@ -6372,7 +6489,7 @@
     </p:spTree>
     <p:extLst>
       <p:ext uri="{BB962C8B-B14F-4D97-AF65-F5344CB8AC3E}">
-        <p14:creationId xmlns:p14="http://schemas.microsoft.com/office/powerpoint/2010/main" val="150374677"/>
+        <p14:creationId xmlns:p14="http://schemas.microsoft.com/office/powerpoint/2010/main" xmlns="" val="150374677"/>
       </p:ext>
     </p:extLst>
   </p:cSld>
@@ -6456,7 +6573,7 @@
     </p:spTree>
     <p:extLst>
       <p:ext uri="{BB962C8B-B14F-4D97-AF65-F5344CB8AC3E}">
-        <p14:creationId xmlns:p14="http://schemas.microsoft.com/office/powerpoint/2010/main" val="1684926052"/>
+        <p14:creationId xmlns:p14="http://schemas.microsoft.com/office/powerpoint/2010/main" xmlns="" val="1684926052"/>
       </p:ext>
     </p:extLst>
   </p:cSld>
@@ -6527,36 +6644,45 @@
           <a:p>
             <a:r>
               <a:rPr lang="en-US" dirty="0" smtClean="0"/>
-              <a:t>exploi</a:t>
+              <a:t>E</a:t>
+            </a:r>
+            <a:r>
+              <a:rPr lang="en-US" dirty="0" smtClean="0"/>
+              <a:t>xploi</a:t>
             </a:r>
             <a:r>
               <a:rPr lang="en-US" altLang="zh-CN" dirty="0" smtClean="0"/>
-              <a:t>tation review</a:t>
-            </a:r>
-          </a:p>
-          <a:p>
+              <a:t>tation </a:t>
+            </a:r>
+            <a:r>
+              <a:rPr lang="en-US" altLang="zh-CN" dirty="0" smtClean="0"/>
+              <a:t>review</a:t>
+            </a:r>
+          </a:p>
+          <a:p>
+            <a:r>
+              <a:rPr lang="en-US" dirty="0" smtClean="0"/>
+              <a:t>Introduction to </a:t>
+            </a:r>
             <a:r>
               <a:rPr lang="en-US" dirty="0" err="1" smtClean="0"/>
-              <a:t>metasploit</a:t>
-            </a:r>
+              <a:t>Metasploit</a:t>
+            </a:r>
+            <a:endParaRPr lang="en-US" dirty="0" smtClean="0"/>
+          </a:p>
+          <a:p>
             <a:r>
               <a:rPr lang="en-US" dirty="0" smtClean="0"/>
-              <a:t> introduction</a:t>
-            </a:r>
-          </a:p>
-          <a:p>
-            <a:r>
-              <a:rPr lang="en-US" dirty="0" smtClean="0"/>
-              <a:t>exercises</a:t>
-            </a:r>
-            <a:endParaRPr lang="en-US" dirty="0"/>
+              <a:t>Complete the Tasks</a:t>
+            </a:r>
+            <a:endParaRPr lang="en-US" dirty="0" smtClean="0"/>
           </a:p>
         </p:txBody>
       </p:sp>
     </p:spTree>
     <p:extLst>
       <p:ext uri="{BB962C8B-B14F-4D97-AF65-F5344CB8AC3E}">
-        <p14:creationId xmlns:p14="http://schemas.microsoft.com/office/powerpoint/2010/main" val="2083705590"/>
+        <p14:creationId xmlns:p14="http://schemas.microsoft.com/office/powerpoint/2010/main" xmlns="" val="2083705590"/>
       </p:ext>
     </p:extLst>
   </p:cSld>
@@ -6593,60 +6719,144 @@
             <p:ph type="title"/>
           </p:nvPr>
         </p:nvSpPr>
-        <p:spPr/>
+        <p:spPr>
+          <a:xfrm>
+            <a:off x="838200" y="500062"/>
+            <a:ext cx="10515600" cy="1325563"/>
+          </a:xfrm>
+        </p:spPr>
         <p:txBody>
           <a:bodyPr/>
           <a:lstStyle/>
           <a:p>
             <a:r>
+              <a:rPr lang="en-US" dirty="0" err="1"/>
+              <a:t>M</a:t>
+            </a:r>
+            <a:r>
+              <a:rPr lang="en-US" dirty="0" err="1" smtClean="0"/>
+              <a:t>etasploitable</a:t>
+            </a:r>
+            <a:r>
+              <a:rPr lang="en-US" dirty="0" smtClean="0"/>
+              <a:t> vs </a:t>
+            </a:r>
+            <a:r>
+              <a:rPr lang="en-US" dirty="0" err="1"/>
+              <a:t>M</a:t>
+            </a:r>
+            <a:r>
+              <a:rPr lang="en-US" dirty="0" err="1" smtClean="0"/>
+              <a:t>etasploit</a:t>
+            </a:r>
+            <a:endParaRPr lang="en-US" dirty="0"/>
+          </a:p>
+        </p:txBody>
+      </p:sp>
+      <p:sp>
+        <p:nvSpPr>
+          <p:cNvPr id="3" name="Content Placeholder 2"/>
+          <p:cNvSpPr>
+            <a:spLocks noGrp="1"/>
+          </p:cNvSpPr>
+          <p:nvPr>
+            <p:ph idx="1"/>
+          </p:nvPr>
+        </p:nvSpPr>
+        <p:spPr/>
+        <p:txBody>
+          <a:bodyPr/>
+          <a:lstStyle/>
+          <a:p>
+            <a:r>
+              <a:rPr lang="en-US" b="1" dirty="0" err="1" smtClean="0"/>
+              <a:t>Metasploitable</a:t>
+            </a:r>
+            <a:r>
+              <a:rPr lang="en-US" b="1" dirty="0" smtClean="0"/>
+              <a:t> </a:t>
+            </a:r>
+            <a:r>
+              <a:rPr lang="en-US" b="1" dirty="0" smtClean="0"/>
+              <a:t>(</a:t>
+            </a:r>
+            <a:r>
+              <a:rPr lang="en-US" b="1" dirty="0" smtClean="0"/>
+              <a:t>Operating System</a:t>
+            </a:r>
+            <a:r>
+              <a:rPr lang="en-US" b="1" dirty="0" smtClean="0"/>
+              <a:t>) </a:t>
+            </a:r>
+            <a:r>
+              <a:rPr lang="en-US" b="1" dirty="0" smtClean="0"/>
+              <a:t>is </a:t>
+            </a:r>
+            <a:r>
+              <a:rPr lang="en-US" dirty="0" smtClean="0"/>
+              <a:t>an </a:t>
+            </a:r>
+            <a:r>
               <a:rPr lang="en-US" dirty="0"/>
-              <a:t>E</a:t>
+              <a:t>intentionally vulnerable version of Ubuntu Linux designed for testing security tools and demonstrating common </a:t>
             </a:r>
             <a:r>
               <a:rPr lang="en-US" dirty="0" smtClean="0"/>
-              <a:t>xploitation </a:t>
+              <a:t>vulnerabilities</a:t>
+            </a:r>
+            <a:endParaRPr lang="en-US" b="1" dirty="0" smtClean="0"/>
+          </a:p>
+          <a:p>
+            <a:endParaRPr lang="en-US" b="1" dirty="0"/>
+          </a:p>
+          <a:p>
+            <a:r>
+              <a:rPr lang="en-US" b="1" dirty="0" err="1" smtClean="0"/>
+              <a:t>Metasploit</a:t>
+            </a:r>
+            <a:r>
+              <a:rPr lang="en-US" b="1" dirty="0" smtClean="0"/>
+              <a:t> (Framework)</a:t>
+            </a:r>
+            <a:r>
+              <a:rPr lang="en-US" dirty="0" smtClean="0"/>
+              <a:t> is an open source </a:t>
             </a:r>
             <a:r>
               <a:rPr lang="en-US" dirty="0"/>
-              <a:t>P</a:t>
+              <a:t>tool for developing and executing </a:t>
             </a:r>
             <a:r>
               <a:rPr lang="en-US" dirty="0" smtClean="0"/>
-              <a:t>rocess</a:t>
-            </a:r>
+              <a:t>exploit </a:t>
+            </a:r>
+            <a:r>
+              <a:rPr lang="en-US" dirty="0"/>
+              <a:t>code against a remote target </a:t>
+            </a:r>
+            <a:r>
+              <a:rPr lang="en-US" dirty="0" smtClean="0"/>
+              <a:t>machine. </a:t>
+            </a:r>
+          </a:p>
+          <a:p>
+            <a:pPr>
+              <a:buNone/>
+            </a:pPr>
+            <a:endParaRPr lang="en-US" dirty="0" smtClean="0"/>
+          </a:p>
+          <a:p>
+            <a:pPr>
+              <a:buNone/>
+            </a:pPr>
             <a:endParaRPr lang="en-US" dirty="0"/>
           </a:p>
         </p:txBody>
       </p:sp>
-      <p:graphicFrame>
-        <p:nvGraphicFramePr>
-          <p:cNvPr id="4" name="Content Placeholder 3"/>
-          <p:cNvGraphicFramePr>
-            <a:graphicFrameLocks noGrp="1"/>
-          </p:cNvGraphicFramePr>
-          <p:nvPr>
-            <p:ph idx="1"/>
-            <p:extLst>
-              <p:ext uri="{D42A27DB-BD31-4B8C-83A1-F6EECF244321}">
-                <p14:modId xmlns:p14="http://schemas.microsoft.com/office/powerpoint/2010/main" val="966004633"/>
-              </p:ext>
-            </p:extLst>
-          </p:nvPr>
-        </p:nvGraphicFramePr>
-        <p:xfrm>
-          <a:off x="838200" y="1825625"/>
-          <a:ext cx="10515600" cy="4351338"/>
-        </p:xfrm>
-        <a:graphic>
-          <a:graphicData uri="http://schemas.openxmlformats.org/drawingml/2006/diagram">
-            <dgm:relIds xmlns:dgm="http://schemas.openxmlformats.org/drawingml/2006/diagram" xmlns:r="http://schemas.openxmlformats.org/officeDocument/2006/relationships" r:dm="rId2" r:lo="rId3" r:qs="rId4" r:cs="rId5"/>
-          </a:graphicData>
-        </a:graphic>
-      </p:graphicFrame>
     </p:spTree>
     <p:extLst>
       <p:ext uri="{BB962C8B-B14F-4D97-AF65-F5344CB8AC3E}">
-        <p14:creationId xmlns:p14="http://schemas.microsoft.com/office/powerpoint/2010/main" val="1919171026"/>
+        <p14:creationId xmlns:p14="http://schemas.microsoft.com/office/powerpoint/2010/main" xmlns="" val="49972416"/>
       </p:ext>
     </p:extLst>
   </p:cSld>
@@ -6690,97 +6900,53 @@
           <a:p>
             <a:r>
               <a:rPr lang="en-US" dirty="0"/>
-              <a:t>I</a:t>
+              <a:t>E</a:t>
             </a:r>
             <a:r>
               <a:rPr lang="en-US" dirty="0" smtClean="0"/>
-              <a:t>nformation </a:t>
+              <a:t>xploitation </a:t>
             </a:r>
             <a:r>
               <a:rPr lang="en-US" dirty="0"/>
-              <a:t>G</a:t>
+              <a:t>P</a:t>
             </a:r>
             <a:r>
               <a:rPr lang="en-US" dirty="0" smtClean="0"/>
-              <a:t>athering</a:t>
+              <a:t>rocess</a:t>
             </a:r>
             <a:endParaRPr lang="en-US" dirty="0"/>
           </a:p>
         </p:txBody>
       </p:sp>
-      <p:sp>
-        <p:nvSpPr>
-          <p:cNvPr id="3" name="Content Placeholder 2"/>
-          <p:cNvSpPr>
-            <a:spLocks noGrp="1"/>
-          </p:cNvSpPr>
+      <p:graphicFrame>
+        <p:nvGraphicFramePr>
+          <p:cNvPr id="4" name="Content Placeholder 3"/>
+          <p:cNvGraphicFramePr>
+            <a:graphicFrameLocks noGrp="1"/>
+          </p:cNvGraphicFramePr>
           <p:nvPr>
             <p:ph idx="1"/>
-          </p:nvPr>
-        </p:nvSpPr>
-        <p:spPr/>
-        <p:txBody>
-          <a:bodyPr/>
-          <a:lstStyle/>
-          <a:p>
-            <a:r>
-              <a:rPr lang="en-US" dirty="0" smtClean="0"/>
-              <a:t>tool (check Kali!)</a:t>
-            </a:r>
-            <a:endParaRPr lang="en-US" dirty="0" smtClean="0"/>
-          </a:p>
-          <a:p>
-            <a:pPr lvl="1"/>
-            <a:r>
-              <a:rPr lang="en-US" dirty="0" err="1" smtClean="0"/>
-              <a:t>namp</a:t>
-            </a:r>
-            <a:endParaRPr lang="en-US" dirty="0" smtClean="0"/>
-          </a:p>
-          <a:p>
-            <a:pPr lvl="1"/>
-            <a:r>
-              <a:rPr lang="en-US" dirty="0" err="1" smtClean="0"/>
-              <a:t>zenmap</a:t>
-            </a:r>
-            <a:r>
-              <a:rPr lang="en-US" dirty="0" smtClean="0"/>
-              <a:t>: </a:t>
-            </a:r>
-            <a:r>
-              <a:rPr lang="en-US" dirty="0"/>
-              <a:t>official </a:t>
-            </a:r>
-            <a:r>
-              <a:rPr lang="en-US" dirty="0" err="1"/>
-              <a:t>Nmap</a:t>
-            </a:r>
-            <a:r>
-              <a:rPr lang="en-US" dirty="0"/>
-              <a:t> Security Scanner </a:t>
-            </a:r>
-            <a:r>
-              <a:rPr lang="en-US" dirty="0" smtClean="0"/>
-              <a:t>GUI</a:t>
-            </a:r>
-          </a:p>
-          <a:p>
-            <a:pPr lvl="1"/>
-            <a:endParaRPr lang="en-US" dirty="0"/>
-          </a:p>
-          <a:p>
-            <a:r>
-              <a:rPr lang="en-US" dirty="0" smtClean="0"/>
-              <a:t>manual (more difficult!)</a:t>
-            </a:r>
-            <a:endParaRPr lang="en-US" dirty="0"/>
-          </a:p>
-        </p:txBody>
-      </p:sp>
+            <p:extLst>
+              <p:ext uri="{D42A27DB-BD31-4B8C-83A1-F6EECF244321}">
+                <p14:modId xmlns:p14="http://schemas.microsoft.com/office/powerpoint/2010/main" xmlns="" val="966004633"/>
+              </p:ext>
+            </p:extLst>
+          </p:nvPr>
+        </p:nvGraphicFramePr>
+        <p:xfrm>
+          <a:off x="838200" y="1825625"/>
+          <a:ext cx="10515600" cy="4351338"/>
+        </p:xfrm>
+        <a:graphic>
+          <a:graphicData uri="http://schemas.openxmlformats.org/drawingml/2006/diagram">
+            <dgm:relIds xmlns:dgm="http://schemas.openxmlformats.org/drawingml/2006/diagram" xmlns:r="http://schemas.openxmlformats.org/officeDocument/2006/relationships" r:dm="rId3" r:lo="rId4" r:qs="rId5" r:cs="rId6"/>
+          </a:graphicData>
+        </a:graphic>
+      </p:graphicFrame>
     </p:spTree>
     <p:extLst>
       <p:ext uri="{BB962C8B-B14F-4D97-AF65-F5344CB8AC3E}">
-        <p14:creationId xmlns:p14="http://schemas.microsoft.com/office/powerpoint/2010/main" val="2037600881"/>
+        <p14:creationId xmlns:p14="http://schemas.microsoft.com/office/powerpoint/2010/main" xmlns="" val="1919171026"/>
       </p:ext>
     </p:extLst>
   </p:cSld>
@@ -6824,19 +6990,19 @@
           <a:p>
             <a:r>
               <a:rPr lang="en-US" dirty="0"/>
-              <a:t>V</a:t>
+              <a:t>I</a:t>
             </a:r>
             <a:r>
               <a:rPr lang="en-US" dirty="0" smtClean="0"/>
-              <a:t>ulnerability </a:t>
+              <a:t>nformation </a:t>
             </a:r>
             <a:r>
               <a:rPr lang="en-US" dirty="0"/>
-              <a:t>A</a:t>
+              <a:t>G</a:t>
             </a:r>
             <a:r>
               <a:rPr lang="en-US" dirty="0" smtClean="0"/>
-              <a:t>ssessment</a:t>
+              <a:t>athering</a:t>
             </a:r>
             <a:endParaRPr lang="en-US" dirty="0"/>
           </a:p>
@@ -6858,29 +7024,56 @@
           <a:lstStyle/>
           <a:p>
             <a:r>
-              <a:rPr lang="en-US" b="1" dirty="0"/>
-              <a:t>Vulnerability assessment</a:t>
-            </a:r>
-            <a:r>
-              <a:rPr lang="en-US" dirty="0"/>
-              <a:t> is a process of defining, identifying and classifying the security holes in </a:t>
-            </a:r>
-            <a:r>
               <a:rPr lang="en-US" dirty="0" smtClean="0"/>
-              <a:t>information technology systems</a:t>
-            </a:r>
-            <a:r>
-              <a:rPr lang="en-US" dirty="0"/>
-              <a:t>.</a:t>
-            </a:r>
+              <a:t>Also known as Network Enumeration </a:t>
+            </a:r>
+            <a:endParaRPr lang="en-US" dirty="0" smtClean="0"/>
+          </a:p>
+          <a:p>
+            <a:pPr lvl="1"/>
+            <a:r>
+              <a:rPr lang="en-US" dirty="0" smtClean="0"/>
+              <a:t>retrieving usernames, shares, services, web directories, groups, computers on a network. </a:t>
+            </a:r>
+            <a:endParaRPr lang="en-US" dirty="0" smtClean="0"/>
+          </a:p>
+          <a:p>
+            <a:pPr lvl="1">
+              <a:buNone/>
+            </a:pPr>
             <a:endParaRPr lang="en-US" dirty="0"/>
+          </a:p>
+          <a:p>
+            <a:pPr marL="514350" indent="-514350"/>
+            <a:r>
+              <a:rPr lang="en-US" dirty="0" err="1" smtClean="0"/>
+              <a:t>Metasploit</a:t>
+            </a:r>
+            <a:r>
+              <a:rPr lang="en-US" dirty="0" smtClean="0"/>
+              <a:t> Enumeration </a:t>
+            </a:r>
+          </a:p>
+          <a:p>
+            <a:pPr marL="971550" lvl="1" indent="-514350"/>
+            <a:r>
+              <a:rPr lang="en-US" dirty="0" smtClean="0"/>
+              <a:t>Port Scanning </a:t>
+            </a:r>
+          </a:p>
+          <a:p>
+            <a:pPr marL="971550" lvl="1" indent="-514350"/>
+            <a:r>
+              <a:rPr lang="en-US" dirty="0" smtClean="0"/>
+              <a:t>Fingerprinting </a:t>
+            </a:r>
           </a:p>
         </p:txBody>
       </p:sp>
     </p:spTree>
     <p:extLst>
       <p:ext uri="{BB962C8B-B14F-4D97-AF65-F5344CB8AC3E}">
-        <p14:creationId xmlns:p14="http://schemas.microsoft.com/office/powerpoint/2010/main" val="213776933"/>
+        <p14:creationId xmlns:p14="http://schemas.microsoft.com/office/powerpoint/2010/main" xmlns="" val="2037600881"/>
       </p:ext>
     </p:extLst>
   </p:cSld>
@@ -6923,8 +7116,20 @@
           <a:lstStyle/>
           <a:p>
             <a:r>
+              <a:rPr lang="en-US" dirty="0"/>
+              <a:t>V</a:t>
+            </a:r>
+            <a:r>
               <a:rPr lang="en-US" dirty="0" smtClean="0"/>
-              <a:t>Exploitation</a:t>
+              <a:t>ulnerability </a:t>
+            </a:r>
+            <a:r>
+              <a:rPr lang="en-US" dirty="0"/>
+              <a:t>A</a:t>
+            </a:r>
+            <a:r>
+              <a:rPr lang="en-US" dirty="0" smtClean="0"/>
+              <a:t>ssessment</a:t>
             </a:r>
             <a:endParaRPr lang="en-US" dirty="0"/>
           </a:p>
@@ -6946,68 +7151,21 @@
           <a:lstStyle/>
           <a:p>
             <a:r>
-              <a:rPr lang="en-US" dirty="0"/>
-              <a:t>An </a:t>
-            </a:r>
-            <a:r>
-              <a:rPr lang="en-US" b="1" dirty="0"/>
-              <a:t>exploit</a:t>
-            </a:r>
-            <a:r>
-              <a:rPr lang="en-US" dirty="0"/>
-              <a:t> </a:t>
-            </a:r>
-            <a:r>
-              <a:rPr lang="en-US" dirty="0" smtClean="0"/>
-              <a:t>is </a:t>
-            </a:r>
-            <a:r>
-              <a:rPr lang="en-US" dirty="0"/>
-              <a:t>a piece </a:t>
-            </a:r>
-            <a:r>
-              <a:rPr lang="en-US" dirty="0"/>
-              <a:t>of </a:t>
-            </a:r>
-            <a:r>
-              <a:rPr lang="en-US" dirty="0" smtClean="0"/>
-              <a:t>software, </a:t>
-            </a:r>
-            <a:r>
-              <a:rPr lang="en-US" dirty="0"/>
-              <a:t>a </a:t>
-            </a:r>
-            <a:r>
-              <a:rPr lang="en-US" dirty="0"/>
-              <a:t>chunk of data, or a sequence of commands that takes advantage of a </a:t>
-            </a:r>
-            <a:r>
-              <a:rPr lang="en-US" dirty="0" smtClean="0"/>
-              <a:t>bug </a:t>
-            </a:r>
-            <a:r>
-              <a:rPr lang="en-US" dirty="0"/>
-              <a:t>or </a:t>
-            </a:r>
-            <a:r>
-              <a:rPr lang="en-US" dirty="0" smtClean="0"/>
-              <a:t>vulnerability to </a:t>
-            </a:r>
-            <a:r>
-              <a:rPr lang="en-US" dirty="0"/>
-              <a:t>cause unintended or unanticipated behavior to occur on computer software, hardware, or something </a:t>
-            </a:r>
-            <a:r>
-              <a:rPr lang="en-US" dirty="0" smtClean="0"/>
-              <a:t>electronic.</a:t>
-            </a:r>
+              <a:rPr lang="en-US" b="1" smtClean="0"/>
+              <a:t>Vulnerability assessment</a:t>
+            </a:r>
+            <a:r>
+              <a:rPr lang="en-US" smtClean="0"/>
+              <a:t> is a process of defining, identifying and classifying the security holes in information technology systems.</a:t>
+            </a:r>
+            <a:endParaRPr lang="en-US" dirty="0"/>
           </a:p>
         </p:txBody>
       </p:sp>
     </p:spTree>
     <p:extLst>
       <p:ext uri="{BB962C8B-B14F-4D97-AF65-F5344CB8AC3E}">
-        <p14:creationId xmlns:p14="http://schemas.microsoft.com/office/powerpoint/2010/main" val="881331689"/>
+        <p14:creationId xmlns:p14="http://schemas.microsoft.com/office/powerpoint/2010/main" xmlns="" val="213776933"/>
       </p:ext>
     </p:extLst>
   </p:cSld>
@@ -7051,7 +7209,7 @@
           <a:p>
             <a:r>
               <a:rPr lang="en-US" dirty="0" smtClean="0"/>
-              <a:t>Task 1</a:t>
+              <a:t>Exploitation</a:t>
             </a:r>
             <a:endParaRPr lang="en-US" dirty="0"/>
           </a:p>
@@ -7072,38 +7230,14 @@
           <a:bodyPr/>
           <a:lstStyle/>
           <a:p>
-            <a:r>
-              <a:rPr lang="en-US" altLang="zh-CN" dirty="0" smtClean="0"/>
-              <a:t>Exploit </a:t>
-            </a:r>
-            <a:r>
-              <a:rPr lang="en-US" dirty="0" smtClean="0"/>
-              <a:t>vsftpd_234_backdoor </a:t>
-            </a:r>
-            <a:r>
-              <a:rPr lang="en-US" altLang="zh-CN" dirty="0" smtClean="0"/>
-              <a:t>vulnerability with </a:t>
-            </a:r>
-            <a:r>
-              <a:rPr lang="en-US" altLang="zh-CN" dirty="0" err="1" smtClean="0"/>
-              <a:t>metasploit</a:t>
-            </a:r>
-            <a:r>
-              <a:rPr lang="en-US" altLang="zh-CN" dirty="0" smtClean="0"/>
-              <a:t> on </a:t>
-            </a:r>
-            <a:r>
-              <a:rPr lang="en-US" altLang="zh-CN" dirty="0" err="1" smtClean="0"/>
-              <a:t>metasploitable</a:t>
-            </a:r>
-            <a:endParaRPr lang="en-US" altLang="zh-CN" dirty="0" smtClean="0"/>
+            <a:endParaRPr lang="en-US" dirty="0" smtClean="0"/>
           </a:p>
         </p:txBody>
       </p:sp>
     </p:spTree>
     <p:extLst>
       <p:ext uri="{BB962C8B-B14F-4D97-AF65-F5344CB8AC3E}">
-        <p14:creationId xmlns:p14="http://schemas.microsoft.com/office/powerpoint/2010/main" val="571860157"/>
+        <p14:creationId xmlns:p14="http://schemas.microsoft.com/office/powerpoint/2010/main" xmlns="" val="881331689"/>
       </p:ext>
     </p:extLst>
   </p:cSld>
@@ -7140,39 +7274,14 @@
             <p:ph type="title"/>
           </p:nvPr>
         </p:nvSpPr>
-        <p:spPr>
-          <a:xfrm>
-            <a:off x="838200" y="500062"/>
-            <a:ext cx="10515600" cy="1325563"/>
-          </a:xfrm>
-        </p:spPr>
+        <p:spPr/>
         <p:txBody>
           <a:bodyPr/>
           <a:lstStyle/>
           <a:p>
             <a:r>
-              <a:rPr lang="en-US" dirty="0" err="1"/>
-              <a:t>M</a:t>
-            </a:r>
-            <a:r>
-              <a:rPr lang="en-US" dirty="0" err="1" smtClean="0"/>
-              <a:t>etasploitable</a:t>
-            </a:r>
-            <a:r>
               <a:rPr lang="en-US" dirty="0" smtClean="0"/>
-              <a:t> </a:t>
-            </a:r>
-            <a:r>
-              <a:rPr lang="en-US" dirty="0" smtClean="0"/>
-              <a:t>vs </a:t>
-            </a:r>
-            <a:r>
-              <a:rPr lang="en-US" dirty="0" err="1"/>
-              <a:t>M</a:t>
-            </a:r>
-            <a:r>
-              <a:rPr lang="en-US" dirty="0" err="1" smtClean="0"/>
-              <a:t>etasploit</a:t>
+              <a:t>Task 1</a:t>
             </a:r>
             <a:endParaRPr lang="en-US" dirty="0"/>
           </a:p>
@@ -7194,63 +7303,17 @@
           <a:lstStyle/>
           <a:p>
             <a:r>
-              <a:rPr lang="en-US" b="1" dirty="0" err="1" smtClean="0"/>
-              <a:t>Metasploitable</a:t>
-            </a:r>
-            <a:r>
-              <a:rPr lang="en-US" b="1" dirty="0" smtClean="0"/>
-              <a:t> (Virtual Machine) is </a:t>
-            </a:r>
-            <a:r>
-              <a:rPr lang="en-US" dirty="0" smtClean="0"/>
-              <a:t>an </a:t>
-            </a:r>
-            <a:r>
-              <a:rPr lang="en-US" dirty="0"/>
-              <a:t>intentionally vulnerable version of Ubuntu Linux designed for testing security tools and demonstrating common </a:t>
-            </a:r>
-            <a:r>
-              <a:rPr lang="en-US" dirty="0" smtClean="0"/>
-              <a:t>vulnerabilities</a:t>
-            </a:r>
-            <a:endParaRPr lang="en-US" b="1" dirty="0" smtClean="0"/>
-          </a:p>
-          <a:p>
-            <a:endParaRPr lang="en-US" b="1" dirty="0"/>
-          </a:p>
-          <a:p>
-            <a:r>
-              <a:rPr lang="en-US" b="1" dirty="0" err="1" smtClean="0"/>
-              <a:t>Metasploit</a:t>
-            </a:r>
-            <a:r>
-              <a:rPr lang="en-US" b="1" dirty="0" smtClean="0"/>
-              <a:t> (Framework)</a:t>
-            </a:r>
-            <a:r>
-              <a:rPr lang="en-US" dirty="0" smtClean="0"/>
-              <a:t> is an open source </a:t>
-            </a:r>
-            <a:r>
-              <a:rPr lang="en-US" dirty="0"/>
-              <a:t>tool for developing and executing </a:t>
-            </a:r>
-            <a:r>
-              <a:rPr lang="en-US" dirty="0" smtClean="0"/>
-              <a:t>exploit </a:t>
-            </a:r>
-            <a:r>
-              <a:rPr lang="en-US" dirty="0"/>
-              <a:t>code against a remote target machine</a:t>
-            </a:r>
-            <a:endParaRPr lang="en-US" dirty="0"/>
+              <a:rPr lang="en-US" altLang="zh-CN" dirty="0" smtClean="0"/>
+              <a:t>VSFTPD v2.3.4 Backdoor Command Execution </a:t>
+            </a:r>
+            <a:endParaRPr lang="en-US" altLang="zh-CN" dirty="0" smtClean="0"/>
           </a:p>
         </p:txBody>
       </p:sp>
     </p:spTree>
     <p:extLst>
       <p:ext uri="{BB962C8B-B14F-4D97-AF65-F5344CB8AC3E}">
-        <p14:creationId xmlns:p14="http://schemas.microsoft.com/office/powerpoint/2010/main" val="49972416"/>
+        <p14:creationId xmlns:p14="http://schemas.microsoft.com/office/powerpoint/2010/main" xmlns="" val="571860157"/>
       </p:ext>
     </p:extLst>
   </p:cSld>
@@ -7315,14 +7378,18 @@
           <a:bodyPr/>
           <a:lstStyle/>
           <a:p>
-            <a:endParaRPr lang="en-US"/>
+            <a:r>
+              <a:rPr lang="en-US" dirty="0" smtClean="0"/>
+              <a:t>Samba Username map script</a:t>
+            </a:r>
+            <a:endParaRPr lang="en-US" dirty="0"/>
           </a:p>
         </p:txBody>
       </p:sp>
     </p:spTree>
     <p:extLst>
       <p:ext uri="{BB962C8B-B14F-4D97-AF65-F5344CB8AC3E}">
-        <p14:creationId xmlns:p14="http://schemas.microsoft.com/office/powerpoint/2010/main" val="1189825030"/>
+        <p14:creationId xmlns:p14="http://schemas.microsoft.com/office/powerpoint/2010/main" xmlns="" val="1189825030"/>
       </p:ext>
     </p:extLst>
   </p:cSld>
@@ -7375,7 +7442,7 @@
     </a:clrScheme>
     <a:fontScheme name="Office">
       <a:majorFont>
-        <a:latin typeface="Calibri Light" panose="020F0302020204030204"/>
+        <a:latin typeface="Calibri Light"/>
         <a:ea typeface=""/>
         <a:cs typeface=""/>
         <a:font script="Jpan" typeface="Yu Gothic Light"/>
@@ -7410,7 +7477,7 @@
         <a:font script="Geor" typeface="Sylfaen"/>
       </a:majorFont>
       <a:minorFont>
-        <a:latin typeface="Calibri" panose="020F0502020204030204"/>
+        <a:latin typeface="Calibri"/>
         <a:ea typeface=""/>
         <a:cs typeface=""/>
         <a:font script="Jpan" typeface="Yu Gothic"/>
@@ -7587,7 +7654,7 @@
   <a:extraClrSchemeLst/>
   <a:extLst>
     <a:ext uri="{05A4C25C-085E-4340-85A3-A5531E510DB2}">
-      <thm15:themeFamily xmlns:thm15="http://schemas.microsoft.com/office/thememl/2012/main" name="Office Theme" id="{62F939B6-93AF-4DB8-9C6B-D6C7DFDC589F}" vid="{4A3C46E8-61CC-4603-A589-7422A47A8E4A}"/>
+      <thm15:themeFamily xmlns:thm15="http://schemas.microsoft.com/office/thememl/2012/main" xmlns="" name="Office Theme" id="{62F939B6-93AF-4DB8-9C6B-D6C7DFDC589F}" vid="{4A3C46E8-61CC-4603-A589-7422A47A8E4A}"/>
     </a:ext>
   </a:extLst>
 </a:theme>
@@ -7636,7 +7703,7 @@
     </a:clrScheme>
     <a:fontScheme name="Office">
       <a:majorFont>
-        <a:latin typeface="Calibri Light" panose="020F0302020204030204"/>
+        <a:latin typeface="Calibri Light"/>
         <a:ea typeface=""/>
         <a:cs typeface=""/>
         <a:font script="Jpan" typeface="Yu Gothic Light"/>
@@ -7671,7 +7738,7 @@
         <a:font script="Geor" typeface="Sylfaen"/>
       </a:majorFont>
       <a:minorFont>
-        <a:latin typeface="Calibri" panose="020F0502020204030204"/>
+        <a:latin typeface="Calibri"/>
         <a:ea typeface=""/>
         <a:cs typeface=""/>
         <a:font script="Jpan" typeface="Yu Gothic"/>
@@ -7848,7 +7915,7 @@
   <a:extraClrSchemeLst/>
   <a:extLst>
     <a:ext uri="{05A4C25C-085E-4340-85A3-A5531E510DB2}">
-      <thm15:themeFamily xmlns:thm15="http://schemas.microsoft.com/office/thememl/2012/main" name="Office Theme" id="{62F939B6-93AF-4DB8-9C6B-D6C7DFDC589F}" vid="{4A3C46E8-61CC-4603-A589-7422A47A8E4A}"/>
+      <thm15:themeFamily xmlns:thm15="http://schemas.microsoft.com/office/thememl/2012/main" xmlns="" name="Office Theme" id="{62F939B6-93AF-4DB8-9C6B-D6C7DFDC589F}" vid="{4A3C46E8-61CC-4603-A589-7422A47A8E4A}"/>
     </a:ext>
   </a:extLst>
 </a:theme>
